--- a/表示逻辑关系的英语单词.pptx
+++ b/表示逻辑关系的英语单词.pptx
@@ -124,7 +124,7 @@
             <a:srgbClr val="A4A3A4"/>
           </p15:clr>
         </p15:guide>
-        <p15:guide id="2" pos="3840" userDrawn="1">
+        <p15:guide id="2" pos="3838" userDrawn="1">
           <p15:clr>
             <a:srgbClr val="A4A3A4"/>
           </p15:clr>
@@ -3094,32 +3094,6 @@
           <a:chExt cx="0" cy="0"/>
         </a:xfrm>
       </p:grpSpPr>
-      <p:pic>
-        <p:nvPicPr>
-          <p:cNvPr id="4" name="图片 3" descr="morisa"/>
-          <p:cNvPicPr>
-            <a:picLocks noChangeAspect="1"/>
-          </p:cNvPicPr>
-          <p:nvPr/>
-        </p:nvPicPr>
-        <p:blipFill>
-          <a:blip r:embed="rId1">
-            <a:alphaModFix amt="20000"/>
-          </a:blip>
-          <a:stretch>
-            <a:fillRect/>
-          </a:stretch>
-        </p:blipFill>
-        <p:spPr>
-          <a:xfrm>
-            <a:off x="0" y="0"/>
-            <a:ext cx="12192000" cy="6858000"/>
-          </a:xfrm>
-          <a:prstGeom prst="rect">
-            <a:avLst/>
-          </a:prstGeom>
-        </p:spPr>
-      </p:pic>
       <p:sp>
         <p:nvSpPr>
           <p:cNvPr id="2" name="标题 1"/>
@@ -3129,7 +3103,7 @@
           <p:nvPr>
             <p:ph type="ctrTitle"/>
             <p:custDataLst>
-              <p:tags r:id="rId2"/>
+              <p:tags r:id="rId1"/>
             </p:custDataLst>
           </p:nvPr>
         </p:nvSpPr>
@@ -3158,7 +3132,7 @@
           <p:nvPr>
             <p:ph type="subTitle" idx="1"/>
             <p:custDataLst>
-              <p:tags r:id="rId3"/>
+              <p:tags r:id="rId2"/>
             </p:custDataLst>
           </p:nvPr>
         </p:nvSpPr>
@@ -3172,7 +3146,7 @@
       </p:sp>
     </p:spTree>
     <p:custDataLst>
-      <p:tags r:id="rId4"/>
+      <p:tags r:id="rId3"/>
     </p:custDataLst>
   </p:cSld>
   <p:clrMapOvr>
@@ -3191,33 +3165,6 @@
         <p:nvPr/>
       </p:nvGrpSpPr>
       <p:grpSpPr/>
-      <p:pic>
-        <p:nvPicPr>
-          <p:cNvPr id="4" name="图片 3" descr="m4a1"/>
-          <p:cNvPicPr>
-            <a:picLocks noChangeAspect="1"/>
-          </p:cNvPicPr>
-          <p:nvPr/>
-        </p:nvPicPr>
-        <p:blipFill>
-          <a:blip r:embed="rId1">
-            <a:alphaModFix amt="20000"/>
-          </a:blip>
-          <a:srcRect l="46" t="6083" r="-306" b="33157"/>
-          <a:stretch>
-            <a:fillRect/>
-          </a:stretch>
-        </p:blipFill>
-        <p:spPr>
-          <a:xfrm>
-            <a:off x="0" y="0"/>
-            <a:ext cx="12236450" cy="6852920"/>
-          </a:xfrm>
-          <a:prstGeom prst="rect">
-            <a:avLst/>
-          </a:prstGeom>
-        </p:spPr>
-      </p:pic>
       <p:sp>
         <p:nvSpPr>
           <p:cNvPr id="2" name="标题 1"/>
@@ -3288,7 +3235,7 @@
       </p:sp>
     </p:spTree>
     <p:custDataLst>
-      <p:tags r:id="rId2"/>
+      <p:tags r:id="rId1"/>
     </p:custDataLst>
   </p:cSld>
   <p:clrMapOvr>
@@ -3307,32 +3254,6 @@
         <p:nvPr/>
       </p:nvGrpSpPr>
       <p:grpSpPr/>
-      <p:pic>
-        <p:nvPicPr>
-          <p:cNvPr id="4" name="图片 3" descr="morisa"/>
-          <p:cNvPicPr>
-            <a:picLocks noChangeAspect="1"/>
-          </p:cNvPicPr>
-          <p:nvPr/>
-        </p:nvPicPr>
-        <p:blipFill>
-          <a:blip r:embed="rId1">
-            <a:alphaModFix amt="20000"/>
-          </a:blip>
-          <a:stretch>
-            <a:fillRect/>
-          </a:stretch>
-        </p:blipFill>
-        <p:spPr>
-          <a:xfrm>
-            <a:off x="0" y="0"/>
-            <a:ext cx="12192635" cy="6858000"/>
-          </a:xfrm>
-          <a:prstGeom prst="rect">
-            <a:avLst/>
-          </a:prstGeom>
-        </p:spPr>
-      </p:pic>
       <p:sp>
         <p:nvSpPr>
           <p:cNvPr id="2" name="标题 1"/>
@@ -3429,7 +3350,7 @@
       </p:sp>
     </p:spTree>
     <p:custDataLst>
-      <p:tags r:id="rId2"/>
+      <p:tags r:id="rId1"/>
     </p:custDataLst>
   </p:cSld>
   <p:clrMapOvr>
@@ -3448,33 +3369,6 @@
         <p:nvPr/>
       </p:nvGrpSpPr>
       <p:grpSpPr/>
-      <p:pic>
-        <p:nvPicPr>
-          <p:cNvPr id="6" name="图片 5" descr="m4a1"/>
-          <p:cNvPicPr>
-            <a:picLocks noChangeAspect="1"/>
-          </p:cNvPicPr>
-          <p:nvPr/>
-        </p:nvPicPr>
-        <p:blipFill>
-          <a:blip r:embed="rId1">
-            <a:alphaModFix amt="20000"/>
-          </a:blip>
-          <a:srcRect l="-756" t="6041" r="-2129" b="38749"/>
-          <a:stretch>
-            <a:fillRect/>
-          </a:stretch>
-        </p:blipFill>
-        <p:spPr>
-          <a:xfrm>
-            <a:off x="-50165" y="0"/>
-            <a:ext cx="12541885" cy="6858000"/>
-          </a:xfrm>
-          <a:prstGeom prst="rect">
-            <a:avLst/>
-          </a:prstGeom>
-        </p:spPr>
-      </p:pic>
       <p:sp>
         <p:nvSpPr>
           <p:cNvPr id="2" name="标题 1"/>
@@ -3597,7 +3491,7 @@
       </p:sp>
     </p:spTree>
     <p:custDataLst>
-      <p:tags r:id="rId2"/>
+      <p:tags r:id="rId1"/>
     </p:custDataLst>
   </p:cSld>
   <p:clrMapOvr>
@@ -3616,32 +3510,6 @@
         <p:nvPr/>
       </p:nvGrpSpPr>
       <p:grpSpPr/>
-      <p:pic>
-        <p:nvPicPr>
-          <p:cNvPr id="4" name="图片 3" descr="mori"/>
-          <p:cNvPicPr>
-            <a:picLocks noChangeAspect="1"/>
-          </p:cNvPicPr>
-          <p:nvPr/>
-        </p:nvPicPr>
-        <p:blipFill>
-          <a:blip r:embed="rId1">
-            <a:alphaModFix amt="20000"/>
-          </a:blip>
-          <a:stretch>
-            <a:fillRect/>
-          </a:stretch>
-        </p:blipFill>
-        <p:spPr>
-          <a:xfrm>
-            <a:off x="0" y="0"/>
-            <a:ext cx="12192000" cy="6858635"/>
-          </a:xfrm>
-          <a:prstGeom prst="rect">
-            <a:avLst/>
-          </a:prstGeom>
-        </p:spPr>
-      </p:pic>
       <p:sp>
         <p:nvSpPr>
           <p:cNvPr id="2" name="标题 1"/>
@@ -3718,7 +3586,7 @@
       </p:sp>
     </p:spTree>
     <p:custDataLst>
-      <p:tags r:id="rId2"/>
+      <p:tags r:id="rId1"/>
     </p:custDataLst>
   </p:cSld>
   <p:clrMapOvr>
@@ -3737,33 +3605,6 @@
         <p:nvPr/>
       </p:nvGrpSpPr>
       <p:grpSpPr/>
-      <p:pic>
-        <p:nvPicPr>
-          <p:cNvPr id="4" name="图片 3" descr="rim"/>
-          <p:cNvPicPr>
-            <a:picLocks noChangeAspect="1"/>
-          </p:cNvPicPr>
-          <p:nvPr/>
-        </p:nvPicPr>
-        <p:blipFill>
-          <a:blip r:embed="rId1">
-            <a:alphaModFix amt="20000"/>
-          </a:blip>
-          <a:srcRect l="174" t="15532" r="324" b="21563"/>
-          <a:stretch>
-            <a:fillRect/>
-          </a:stretch>
-        </p:blipFill>
-        <p:spPr>
-          <a:xfrm>
-            <a:off x="-635" y="-1270"/>
-            <a:ext cx="12192635" cy="6860540"/>
-          </a:xfrm>
-          <a:prstGeom prst="rect">
-            <a:avLst/>
-          </a:prstGeom>
-        </p:spPr>
-      </p:pic>
       <p:sp>
         <p:nvSpPr>
           <p:cNvPr id="2" name="标题 1"/>
@@ -3824,7 +3665,7 @@
       </p:sp>
     </p:spTree>
     <p:custDataLst>
-      <p:tags r:id="rId2"/>
+      <p:tags r:id="rId1"/>
     </p:custDataLst>
   </p:cSld>
   <p:clrMapOvr>
@@ -3843,33 +3684,6 @@
         <p:nvPr/>
       </p:nvGrpSpPr>
       <p:grpSpPr/>
-      <p:pic>
-        <p:nvPicPr>
-          <p:cNvPr id="8" name="图片 7" descr="ba"/>
-          <p:cNvPicPr>
-            <a:picLocks noChangeAspect="1"/>
-          </p:cNvPicPr>
-          <p:nvPr/>
-        </p:nvPicPr>
-        <p:blipFill>
-          <a:blip r:embed="rId1">
-            <a:alphaModFix amt="20000"/>
-          </a:blip>
-          <a:srcRect r="472" b="44056"/>
-          <a:stretch>
-            <a:fillRect/>
-          </a:stretch>
-        </p:blipFill>
-        <p:spPr>
-          <a:xfrm>
-            <a:off x="-635" y="0"/>
-            <a:ext cx="12200255" cy="6858000"/>
-          </a:xfrm>
-          <a:prstGeom prst="rect">
-            <a:avLst/>
-          </a:prstGeom>
-        </p:spPr>
-      </p:pic>
       <p:sp>
         <p:nvSpPr>
           <p:cNvPr id="2" name="标题 1"/>
@@ -3971,7 +3785,7 @@
       </p:sp>
     </p:spTree>
     <p:custDataLst>
-      <p:tags r:id="rId2"/>
+      <p:tags r:id="rId1"/>
     </p:custDataLst>
   </p:cSld>
   <p:clrMapOvr>
@@ -3990,32 +3804,6 @@
         <p:nvPr/>
       </p:nvGrpSpPr>
       <p:grpSpPr/>
-      <p:pic>
-        <p:nvPicPr>
-          <p:cNvPr id="6" name="图片 5" descr="mori"/>
-          <p:cNvPicPr>
-            <a:picLocks noChangeAspect="1"/>
-          </p:cNvPicPr>
-          <p:nvPr/>
-        </p:nvPicPr>
-        <p:blipFill>
-          <a:blip r:embed="rId1">
-            <a:alphaModFix amt="20000"/>
-          </a:blip>
-          <a:stretch>
-            <a:fillRect/>
-          </a:stretch>
-        </p:blipFill>
-        <p:spPr>
-          <a:xfrm>
-            <a:off x="-635" y="-3175"/>
-            <a:ext cx="12192635" cy="6864350"/>
-          </a:xfrm>
-          <a:prstGeom prst="rect">
-            <a:avLst/>
-          </a:prstGeom>
-        </p:spPr>
-      </p:pic>
       <p:sp>
         <p:nvSpPr>
           <p:cNvPr id="2" name="标题 1"/>
@@ -4203,7 +3991,7 @@
       </p:sp>
     </p:spTree>
     <p:custDataLst>
-      <p:tags r:id="rId2"/>
+      <p:tags r:id="rId1"/>
     </p:custDataLst>
   </p:cSld>
   <p:clrMapOvr>
@@ -4222,58 +4010,6 @@
         <p:nvPr/>
       </p:nvGrpSpPr>
       <p:grpSpPr/>
-      <p:pic>
-        <p:nvPicPr>
-          <p:cNvPr id="5" name="图片 4" descr="ar15"/>
-          <p:cNvPicPr>
-            <a:picLocks noChangeAspect="1"/>
-          </p:cNvPicPr>
-          <p:nvPr/>
-        </p:nvPicPr>
-        <p:blipFill>
-          <a:blip r:embed="rId1">
-            <a:alphaModFix amt="20000"/>
-          </a:blip>
-          <a:stretch>
-            <a:fillRect/>
-          </a:stretch>
-        </p:blipFill>
-        <p:spPr>
-          <a:xfrm>
-            <a:off x="0" y="-13970"/>
-            <a:ext cx="12192635" cy="6871335"/>
-          </a:xfrm>
-          <a:prstGeom prst="rect">
-            <a:avLst/>
-          </a:prstGeom>
-        </p:spPr>
-      </p:pic>
-      <p:pic>
-        <p:nvPicPr>
-          <p:cNvPr id="4" name="图片 3" descr="rim"/>
-          <p:cNvPicPr>
-            <a:picLocks noChangeAspect="1"/>
-          </p:cNvPicPr>
-          <p:nvPr/>
-        </p:nvPicPr>
-        <p:blipFill>
-          <a:blip r:embed="rId2">
-            <a:alphaModFix amt="0"/>
-          </a:blip>
-          <a:stretch>
-            <a:fillRect/>
-          </a:stretch>
-        </p:blipFill>
-        <p:spPr>
-          <a:xfrm>
-            <a:off x="174625" y="55245"/>
-            <a:ext cx="11844020" cy="6725920"/>
-          </a:xfrm>
-          <a:prstGeom prst="rect">
-            <a:avLst/>
-          </a:prstGeom>
-        </p:spPr>
-      </p:pic>
       <p:sp>
         <p:nvSpPr>
           <p:cNvPr id="2" name="标题 1"/>
@@ -4429,7 +4165,7 @@
       </p:sp>
     </p:spTree>
     <p:custDataLst>
-      <p:tags r:id="rId3"/>
+      <p:tags r:id="rId1"/>
     </p:custDataLst>
   </p:cSld>
   <p:clrMapOvr>
@@ -4448,32 +4184,6 @@
         <p:nvPr/>
       </p:nvGrpSpPr>
       <p:grpSpPr/>
-      <p:pic>
-        <p:nvPicPr>
-          <p:cNvPr id="4" name="图片 3" descr="morisa"/>
-          <p:cNvPicPr>
-            <a:picLocks noChangeAspect="1"/>
-          </p:cNvPicPr>
-          <p:nvPr/>
-        </p:nvPicPr>
-        <p:blipFill>
-          <a:blip r:embed="rId1">
-            <a:alphaModFix amt="40000"/>
-          </a:blip>
-          <a:stretch>
-            <a:fillRect/>
-          </a:stretch>
-        </p:blipFill>
-        <p:spPr>
-          <a:xfrm>
-            <a:off x="0" y="0"/>
-            <a:ext cx="12226290" cy="6858635"/>
-          </a:xfrm>
-          <a:prstGeom prst="rect">
-            <a:avLst/>
-          </a:prstGeom>
-        </p:spPr>
-      </p:pic>
       <p:sp>
         <p:nvSpPr>
           <p:cNvPr id="2" name="标题 1"/>
@@ -4713,7 +4423,7 @@
       </p:sp>
     </p:spTree>
     <p:custDataLst>
-      <p:tags r:id="rId2"/>
+      <p:tags r:id="rId1"/>
     </p:custDataLst>
   </p:cSld>
   <p:clrMapOvr>
